--- a/3. SQL/2. CRUD/2. SQL CRUD.pptx
+++ b/3. SQL/2. CRUD/2. SQL CRUD.pptx
@@ -4614,9 +4614,13 @@
   <p:cSld>
     <p:bg>
       <p:bgPr>
-        <a:solidFill>
-          <a:srgbClr val="EDDACC"/>
-        </a:solidFill>
+        <a:blipFill rotWithShape="1">
+          <a:blip r:embed="rId2"/>
+          <a:srcRect l="0" t="0" r="0" b="0"/>
+          <a:stretch>
+            <a:fillRect/>
+          </a:stretch>
+        </a:blipFill>
       </p:bgPr>
     </p:bg>
     <p:spTree>
@@ -4635,351 +4639,7 @@
       </p:grpSpPr>
       <p:sp>
         <p:nvSpPr>
-          <p:cNvPr id="178" name="Google Shape;54;p13"/>
-          <p:cNvSpPr/>
-          <p:nvPr/>
-        </p:nvSpPr>
-        <p:spPr>
-          <a:xfrm>
-            <a:off x="-189734" y="-1"/>
-            <a:ext cx="24908800" cy="3644001"/>
-          </a:xfrm>
-          <a:prstGeom prst="rect">
-            <a:avLst/>
-          </a:prstGeom>
-          <a:solidFill>
-            <a:srgbClr val="264190"/>
-          </a:solidFill>
-          <a:ln w="76200">
-            <a:solidFill>
-              <a:srgbClr val="000000"/>
-            </a:solidFill>
-          </a:ln>
-        </p:spPr>
-        <p:txBody>
-          <a:bodyPr lIns="0" tIns="0" rIns="0" bIns="0" anchor="ctr"/>
-          <a:lstStyle/>
-          <a:p>
-            <a:pPr algn="l" defTabSz="2438400">
-              <a:defRPr b="1" sz="3600">
-                <a:solidFill>
-                  <a:srgbClr val="000000"/>
-                </a:solidFill>
-                <a:latin typeface="Arial"/>
-                <a:ea typeface="Arial"/>
-                <a:cs typeface="Arial"/>
-                <a:sym typeface="Arial"/>
-              </a:defRPr>
-            </a:pPr>
-          </a:p>
-        </p:txBody>
-      </p:sp>
-      <p:sp>
-        <p:nvSpPr>
-          <p:cNvPr id="179" name="Google Shape;55;p13"/>
-          <p:cNvSpPr txBox="1"/>
-          <p:nvPr>
-            <p:ph type="title"/>
-          </p:nvPr>
-        </p:nvSpPr>
-        <p:spPr>
-          <a:xfrm>
-            <a:off x="831199" y="531199"/>
-            <a:ext cx="22721602" cy="2640801"/>
-          </a:xfrm>
-          <a:prstGeom prst="rect">
-            <a:avLst/>
-          </a:prstGeom>
-        </p:spPr>
-        <p:txBody>
-          <a:bodyPr/>
-          <a:lstStyle>
-            <a:lvl1pPr>
-              <a:defRPr b="1">
-                <a:solidFill>
-                  <a:srgbClr val="FFFFFF"/>
-                </a:solidFill>
-              </a:defRPr>
-            </a:lvl1pPr>
-          </a:lstStyle>
-          <a:p>
-            <a:pPr/>
-            <a:r>
-              <a:t>SQL - CRUD</a:t>
-            </a:r>
-          </a:p>
-        </p:txBody>
-      </p:sp>
-      <p:sp>
-        <p:nvSpPr>
-          <p:cNvPr id="180" name="Google Shape;57;p13"/>
-          <p:cNvSpPr/>
-          <p:nvPr/>
-        </p:nvSpPr>
-        <p:spPr>
-          <a:xfrm>
-            <a:off x="-379401" y="3528600"/>
-            <a:ext cx="24966402" cy="1"/>
-          </a:xfrm>
-          <a:prstGeom prst="line">
-            <a:avLst/>
-          </a:prstGeom>
-          <a:ln w="76200">
-            <a:solidFill>
-              <a:srgbClr val="000000"/>
-            </a:solidFill>
-          </a:ln>
-        </p:spPr>
-        <p:txBody>
-          <a:bodyPr lIns="0" tIns="0" rIns="0" bIns="0"/>
-          <a:lstStyle/>
-          <a:p>
-            <a:pPr algn="l" defTabSz="2438400">
-              <a:defRPr sz="3600">
-                <a:solidFill>
-                  <a:srgbClr val="000000"/>
-                </a:solidFill>
-                <a:latin typeface="Arial"/>
-                <a:ea typeface="Arial"/>
-                <a:cs typeface="Arial"/>
-                <a:sym typeface="Arial"/>
-              </a:defRPr>
-            </a:pPr>
-          </a:p>
-        </p:txBody>
-      </p:sp>
-      <p:sp>
-        <p:nvSpPr>
-          <p:cNvPr id="181" name="CRUD (Create, Read, Update, Delete)…"/>
-          <p:cNvSpPr txBox="1"/>
-          <p:nvPr/>
-        </p:nvSpPr>
-        <p:spPr>
-          <a:xfrm>
-            <a:off x="5563307" y="6065645"/>
-            <a:ext cx="13932470" cy="4364833"/>
-          </a:xfrm>
-          <a:prstGeom prst="rect">
-            <a:avLst/>
-          </a:prstGeom>
-          <a:ln w="12700">
-            <a:miter lim="400000"/>
-          </a:ln>
-          <a:extLst>
-            <a:ext uri="{C572A759-6A51-4108-AA02-DFA0A04FC94B}">
-              <ma14:wrappingTextBoxFlag xmlns:ma14="http://schemas.microsoft.com/office/mac/drawingml/2011/main" val="1"/>
-            </a:ext>
-          </a:extLst>
-        </p:spPr>
-        <p:txBody>
-          <a:bodyPr wrap="none" lIns="50800" tIns="50800" rIns="50800" bIns="50800" anchor="ctr">
-            <a:spAutoFit/>
-          </a:bodyPr>
-          <a:lstStyle/>
-          <a:p>
-            <a:pPr marL="1021033" indent="-932133" algn="l" defTabSz="2438400">
-              <a:lnSpc>
-                <a:spcPct val="120000"/>
-              </a:lnSpc>
-              <a:buClr>
-                <a:srgbClr val="000000"/>
-              </a:buClr>
-              <a:buSzPts val="4800"/>
-              <a:buFont typeface="Arial"/>
-              <a:buChar char="●"/>
-              <a:defRPr b="1" sz="4800">
-                <a:solidFill>
-                  <a:srgbClr val="000000"/>
-                </a:solidFill>
-                <a:latin typeface="Arial"/>
-                <a:ea typeface="Arial"/>
-                <a:cs typeface="Arial"/>
-                <a:sym typeface="Arial"/>
-              </a:defRPr>
-            </a:pPr>
-            <a:r>
-              <a:t>CRUD (Create, Read, Update, Delete)</a:t>
-            </a:r>
-          </a:p>
-          <a:p>
-            <a:pPr marL="1021033" indent="-932133" algn="l" defTabSz="2438400">
-              <a:lnSpc>
-                <a:spcPct val="120000"/>
-              </a:lnSpc>
-              <a:buClr>
-                <a:srgbClr val="000000"/>
-              </a:buClr>
-              <a:buSzPts val="4800"/>
-              <a:buFont typeface="Arial"/>
-              <a:buChar char="●"/>
-              <a:defRPr b="1" sz="4800">
-                <a:solidFill>
-                  <a:srgbClr val="000000"/>
-                </a:solidFill>
-                <a:latin typeface="Arial"/>
-                <a:ea typeface="Arial"/>
-                <a:cs typeface="Arial"/>
-                <a:sym typeface="Arial"/>
-              </a:defRPr>
-            </a:pPr>
-            <a:r>
-              <a:t>Create: Using </a:t>
-            </a:r>
-            <a:r>
-              <a:rPr b="0">
-                <a:latin typeface="Courier New"/>
-                <a:ea typeface="Courier New"/>
-                <a:cs typeface="Courier New"/>
-                <a:sym typeface="Courier New"/>
-              </a:rPr>
-              <a:t>CREATE TABLE</a:t>
-            </a:r>
-            <a:endParaRPr b="0">
-              <a:latin typeface="Courier New"/>
-              <a:ea typeface="Courier New"/>
-              <a:cs typeface="Courier New"/>
-              <a:sym typeface="Courier New"/>
-            </a:endParaRPr>
-          </a:p>
-          <a:p>
-            <a:pPr marL="1021033" indent="-932133" algn="l" defTabSz="2438400">
-              <a:lnSpc>
-                <a:spcPct val="120000"/>
-              </a:lnSpc>
-              <a:buClr>
-                <a:srgbClr val="000000"/>
-              </a:buClr>
-              <a:buSzPts val="4800"/>
-              <a:buFont typeface="Arial"/>
-              <a:buChar char="●"/>
-              <a:defRPr b="1" sz="4800">
-                <a:solidFill>
-                  <a:srgbClr val="000000"/>
-                </a:solidFill>
-                <a:latin typeface="Arial"/>
-                <a:ea typeface="Arial"/>
-                <a:cs typeface="Arial"/>
-                <a:sym typeface="Arial"/>
-              </a:defRPr>
-            </a:pPr>
-            <a:r>
-              <a:t>Read: Using </a:t>
-            </a:r>
-            <a:r>
-              <a:rPr b="0">
-                <a:latin typeface="Courier New"/>
-                <a:ea typeface="Courier New"/>
-                <a:cs typeface="Courier New"/>
-                <a:sym typeface="Courier New"/>
-              </a:rPr>
-              <a:t>SELECT</a:t>
-            </a:r>
-            <a:r>
-              <a:t> (we already know this!)</a:t>
-            </a:r>
-          </a:p>
-          <a:p>
-            <a:pPr marL="1021033" indent="-932133" algn="l" defTabSz="2438400">
-              <a:lnSpc>
-                <a:spcPct val="120000"/>
-              </a:lnSpc>
-              <a:buClr>
-                <a:srgbClr val="000000"/>
-              </a:buClr>
-              <a:buSzPts val="4800"/>
-              <a:buFont typeface="Arial"/>
-              <a:buChar char="●"/>
-              <a:defRPr b="1" sz="4800">
-                <a:solidFill>
-                  <a:srgbClr val="000000"/>
-                </a:solidFill>
-                <a:latin typeface="Arial"/>
-                <a:ea typeface="Arial"/>
-                <a:cs typeface="Arial"/>
-                <a:sym typeface="Arial"/>
-              </a:defRPr>
-            </a:pPr>
-            <a:r>
-              <a:t>Update: Using </a:t>
-            </a:r>
-            <a:r>
-              <a:rPr b="0">
-                <a:latin typeface="Courier New"/>
-                <a:ea typeface="Courier New"/>
-                <a:cs typeface="Courier New"/>
-                <a:sym typeface="Courier New"/>
-              </a:rPr>
-              <a:t>ALTER TABLE</a:t>
-            </a:r>
-          </a:p>
-          <a:p>
-            <a:pPr marL="1021033" indent="-932133" algn="l" defTabSz="2438400">
-              <a:lnSpc>
-                <a:spcPct val="120000"/>
-              </a:lnSpc>
-              <a:buClr>
-                <a:srgbClr val="000000"/>
-              </a:buClr>
-              <a:buSzPts val="4800"/>
-              <a:buFont typeface="Arial"/>
-              <a:buChar char="●"/>
-              <a:defRPr b="1" sz="4800">
-                <a:solidFill>
-                  <a:srgbClr val="000000"/>
-                </a:solidFill>
-                <a:latin typeface="Arial"/>
-                <a:ea typeface="Arial"/>
-                <a:cs typeface="Arial"/>
-                <a:sym typeface="Arial"/>
-              </a:defRPr>
-            </a:pPr>
-            <a:r>
-              <a:t>Delete: Using </a:t>
-            </a:r>
-            <a:r>
-              <a:rPr b="0">
-                <a:latin typeface="Courier New"/>
-                <a:ea typeface="Courier New"/>
-                <a:cs typeface="Courier New"/>
-                <a:sym typeface="Courier New"/>
-              </a:rPr>
-              <a:t>DROP TABLE</a:t>
-            </a:r>
-          </a:p>
-        </p:txBody>
-      </p:sp>
-      <p:pic>
-        <p:nvPicPr>
-          <p:cNvPr id="182" name="5f461d116006137.6059ac1f3a043.jpg" descr="5f461d116006137.6059ac1f3a043.jpg"/>
-          <p:cNvPicPr>
-            <a:picLocks noChangeAspect="1"/>
-          </p:cNvPicPr>
-          <p:nvPr/>
-        </p:nvPicPr>
-        <p:blipFill>
-          <a:blip r:embed="rId2">
-            <a:extLst/>
-          </a:blip>
-          <a:stretch>
-            <a:fillRect/>
-          </a:stretch>
-        </p:blipFill>
-        <p:spPr>
-          <a:xfrm>
-            <a:off x="-77249" y="-2562010"/>
-            <a:ext cx="24538498" cy="16359000"/>
-          </a:xfrm>
-          <a:prstGeom prst="rect">
-            <a:avLst/>
-          </a:prstGeom>
-          <a:ln w="12700">
-            <a:miter lim="400000"/>
-          </a:ln>
-        </p:spPr>
-      </p:pic>
-      <p:sp>
-        <p:nvSpPr>
-          <p:cNvPr id="183" name="SQL - CRUD"/>
+          <p:cNvPr id="178" name="SQL - CRUD"/>
           <p:cNvSpPr txBox="1"/>
           <p:nvPr/>
         </p:nvSpPr>
@@ -5042,9 +4702,13 @@
   <p:cSld>
     <p:bg>
       <p:bgPr>
-        <a:solidFill>
-          <a:srgbClr val="EDDACC"/>
-        </a:solidFill>
+        <a:blipFill rotWithShape="1">
+          <a:blip r:embed="rId2"/>
+          <a:srcRect l="0" t="0" r="0" b="0"/>
+          <a:stretch>
+            <a:fillRect/>
+          </a:stretch>
+        </a:blipFill>
       </p:bgPr>
     </p:bg>
     <p:spTree>
@@ -5061,38 +4725,9 @@
           <a:chExt cx="0" cy="0"/>
         </a:xfrm>
       </p:grpSpPr>
-      <p:pic>
-        <p:nvPicPr>
-          <p:cNvPr id="217" name="5f461d116006137.6059ac1f3a043.jpg" descr="5f461d116006137.6059ac1f3a043.jpg"/>
-          <p:cNvPicPr>
-            <a:picLocks noChangeAspect="1"/>
-          </p:cNvPicPr>
-          <p:nvPr/>
-        </p:nvPicPr>
-        <p:blipFill>
-          <a:blip r:embed="rId2">
-            <a:extLst/>
-          </a:blip>
-          <a:stretch>
-            <a:fillRect/>
-          </a:stretch>
-        </p:blipFill>
-        <p:spPr>
-          <a:xfrm>
-            <a:off x="-77249" y="-2562010"/>
-            <a:ext cx="24538498" cy="16359000"/>
-          </a:xfrm>
-          <a:prstGeom prst="rect">
-            <a:avLst/>
-          </a:prstGeom>
-          <a:ln w="12700">
-            <a:miter lim="400000"/>
-          </a:ln>
-        </p:spPr>
-      </p:pic>
       <p:sp>
         <p:nvSpPr>
-          <p:cNvPr id="218" name="Google Shape;55;p13"/>
+          <p:cNvPr id="204" name="Google Shape;55;p13"/>
           <p:cNvSpPr txBox="1"/>
           <p:nvPr>
             <p:ph type="title"/>
@@ -5132,7 +4767,7 @@
       </p:sp>
       <p:sp>
         <p:nvSpPr>
-          <p:cNvPr id="219" name="Google Shape;69;p14"/>
+          <p:cNvPr id="205" name="Google Shape;69;p14"/>
           <p:cNvSpPr txBox="1"/>
           <p:nvPr/>
         </p:nvSpPr>
@@ -5365,9 +5000,13 @@
   <p:cSld>
     <p:bg>
       <p:bgPr>
-        <a:solidFill>
-          <a:srgbClr val="EDDACC"/>
-        </a:solidFill>
+        <a:blipFill rotWithShape="1">
+          <a:blip r:embed="rId2"/>
+          <a:srcRect l="0" t="0" r="0" b="0"/>
+          <a:stretch>
+            <a:fillRect/>
+          </a:stretch>
+        </a:blipFill>
       </p:bgPr>
     </p:bg>
     <p:spTree>
@@ -5384,38 +5023,9 @@
           <a:chExt cx="0" cy="0"/>
         </a:xfrm>
       </p:grpSpPr>
-      <p:pic>
-        <p:nvPicPr>
-          <p:cNvPr id="221" name="5f461d116006137.6059ac1f3a043.jpg" descr="5f461d116006137.6059ac1f3a043.jpg"/>
-          <p:cNvPicPr>
-            <a:picLocks noChangeAspect="1"/>
-          </p:cNvPicPr>
-          <p:nvPr/>
-        </p:nvPicPr>
-        <p:blipFill>
-          <a:blip r:embed="rId2">
-            <a:extLst/>
-          </a:blip>
-          <a:stretch>
-            <a:fillRect/>
-          </a:stretch>
-        </p:blipFill>
-        <p:spPr>
-          <a:xfrm>
-            <a:off x="-77249" y="-2562010"/>
-            <a:ext cx="24538498" cy="16359000"/>
-          </a:xfrm>
-          <a:prstGeom prst="rect">
-            <a:avLst/>
-          </a:prstGeom>
-          <a:ln w="12700">
-            <a:miter lim="400000"/>
-          </a:ln>
-        </p:spPr>
-      </p:pic>
       <p:sp>
         <p:nvSpPr>
-          <p:cNvPr id="222" name="Google Shape;55;p13"/>
+          <p:cNvPr id="207" name="Google Shape;55;p13"/>
           <p:cNvSpPr txBox="1"/>
           <p:nvPr>
             <p:ph type="title"/>
@@ -5455,7 +5065,7 @@
       </p:sp>
       <p:sp>
         <p:nvSpPr>
-          <p:cNvPr id="223" name="Google Shape;69;p14"/>
+          <p:cNvPr id="208" name="Google Shape;69;p14"/>
           <p:cNvSpPr txBox="1"/>
           <p:nvPr/>
         </p:nvSpPr>
@@ -5682,9 +5292,13 @@
   <p:cSld>
     <p:bg>
       <p:bgPr>
-        <a:solidFill>
-          <a:srgbClr val="EDDACC"/>
-        </a:solidFill>
+        <a:blipFill rotWithShape="1">
+          <a:blip r:embed="rId2"/>
+          <a:srcRect l="0" t="0" r="0" b="0"/>
+          <a:stretch>
+            <a:fillRect/>
+          </a:stretch>
+        </a:blipFill>
       </p:bgPr>
     </p:bg>
     <p:spTree>
@@ -5701,38 +5315,9 @@
           <a:chExt cx="0" cy="0"/>
         </a:xfrm>
       </p:grpSpPr>
-      <p:pic>
-        <p:nvPicPr>
-          <p:cNvPr id="225" name="5f461d116006137.6059ac1f3a043.jpg" descr="5f461d116006137.6059ac1f3a043.jpg"/>
-          <p:cNvPicPr>
-            <a:picLocks noChangeAspect="1"/>
-          </p:cNvPicPr>
-          <p:nvPr/>
-        </p:nvPicPr>
-        <p:blipFill>
-          <a:blip r:embed="rId2">
-            <a:extLst/>
-          </a:blip>
-          <a:stretch>
-            <a:fillRect/>
-          </a:stretch>
-        </p:blipFill>
-        <p:spPr>
-          <a:xfrm>
-            <a:off x="-77249" y="-2562010"/>
-            <a:ext cx="24538498" cy="16359000"/>
-          </a:xfrm>
-          <a:prstGeom prst="rect">
-            <a:avLst/>
-          </a:prstGeom>
-          <a:ln w="12700">
-            <a:miter lim="400000"/>
-          </a:ln>
-        </p:spPr>
-      </p:pic>
       <p:sp>
         <p:nvSpPr>
-          <p:cNvPr id="226" name="Google Shape;55;p13"/>
+          <p:cNvPr id="210" name="Google Shape;55;p13"/>
           <p:cNvSpPr txBox="1"/>
           <p:nvPr>
             <p:ph type="title"/>
@@ -5772,7 +5357,7 @@
       </p:sp>
       <p:sp>
         <p:nvSpPr>
-          <p:cNvPr id="227" name="Google Shape;69;p14"/>
+          <p:cNvPr id="211" name="Google Shape;69;p14"/>
           <p:cNvSpPr txBox="1"/>
           <p:nvPr/>
         </p:nvSpPr>
@@ -5985,9 +5570,13 @@
   <p:cSld>
     <p:bg>
       <p:bgPr>
-        <a:solidFill>
-          <a:srgbClr val="EDDACC"/>
-        </a:solidFill>
+        <a:blipFill rotWithShape="1">
+          <a:blip r:embed="rId2"/>
+          <a:srcRect l="0" t="0" r="0" b="0"/>
+          <a:stretch>
+            <a:fillRect/>
+          </a:stretch>
+        </a:blipFill>
       </p:bgPr>
     </p:bg>
     <p:spTree>
@@ -6004,38 +5593,9 @@
           <a:chExt cx="0" cy="0"/>
         </a:xfrm>
       </p:grpSpPr>
-      <p:pic>
-        <p:nvPicPr>
-          <p:cNvPr id="229" name="5f461d116006137.6059ac1f3a043.jpg" descr="5f461d116006137.6059ac1f3a043.jpg"/>
-          <p:cNvPicPr>
-            <a:picLocks noChangeAspect="1"/>
-          </p:cNvPicPr>
-          <p:nvPr/>
-        </p:nvPicPr>
-        <p:blipFill>
-          <a:blip r:embed="rId2">
-            <a:extLst/>
-          </a:blip>
-          <a:stretch>
-            <a:fillRect/>
-          </a:stretch>
-        </p:blipFill>
-        <p:spPr>
-          <a:xfrm>
-            <a:off x="-77249" y="-2562010"/>
-            <a:ext cx="24538498" cy="16359000"/>
-          </a:xfrm>
-          <a:prstGeom prst="rect">
-            <a:avLst/>
-          </a:prstGeom>
-          <a:ln w="12700">
-            <a:miter lim="400000"/>
-          </a:ln>
-        </p:spPr>
-      </p:pic>
       <p:sp>
         <p:nvSpPr>
-          <p:cNvPr id="230" name="Google Shape;55;p13"/>
+          <p:cNvPr id="213" name="Google Shape;55;p13"/>
           <p:cNvSpPr txBox="1"/>
           <p:nvPr>
             <p:ph type="title"/>
@@ -6075,7 +5635,7 @@
       </p:sp>
       <p:sp>
         <p:nvSpPr>
-          <p:cNvPr id="231" name="Google Shape;69;p14"/>
+          <p:cNvPr id="214" name="Google Shape;69;p14"/>
           <p:cNvSpPr txBox="1"/>
           <p:nvPr/>
         </p:nvSpPr>
@@ -6273,9 +5833,13 @@
   <p:cSld>
     <p:bg>
       <p:bgPr>
-        <a:solidFill>
-          <a:srgbClr val="EDDACC"/>
-        </a:solidFill>
+        <a:blipFill rotWithShape="1">
+          <a:blip r:embed="rId2"/>
+          <a:srcRect l="0" t="0" r="0" b="0"/>
+          <a:stretch>
+            <a:fillRect/>
+          </a:stretch>
+        </a:blipFill>
       </p:bgPr>
     </p:bg>
     <p:spTree>
@@ -6292,38 +5856,9 @@
           <a:chExt cx="0" cy="0"/>
         </a:xfrm>
       </p:grpSpPr>
-      <p:pic>
-        <p:nvPicPr>
-          <p:cNvPr id="233" name="5f461d116006137.6059ac1f3a043.jpg" descr="5f461d116006137.6059ac1f3a043.jpg"/>
-          <p:cNvPicPr>
-            <a:picLocks noChangeAspect="1"/>
-          </p:cNvPicPr>
-          <p:nvPr/>
-        </p:nvPicPr>
-        <p:blipFill>
-          <a:blip r:embed="rId2">
-            <a:extLst/>
-          </a:blip>
-          <a:stretch>
-            <a:fillRect/>
-          </a:stretch>
-        </p:blipFill>
-        <p:spPr>
-          <a:xfrm>
-            <a:off x="-77249" y="-2562010"/>
-            <a:ext cx="24538498" cy="16359000"/>
-          </a:xfrm>
-          <a:prstGeom prst="rect">
-            <a:avLst/>
-          </a:prstGeom>
-          <a:ln w="12700">
-            <a:miter lim="400000"/>
-          </a:ln>
-        </p:spPr>
-      </p:pic>
       <p:sp>
         <p:nvSpPr>
-          <p:cNvPr id="234" name="Google Shape;55;p13"/>
+          <p:cNvPr id="216" name="Google Shape;55;p13"/>
           <p:cNvSpPr txBox="1"/>
           <p:nvPr>
             <p:ph type="title"/>
@@ -6363,7 +5898,7 @@
       </p:sp>
       <p:sp>
         <p:nvSpPr>
-          <p:cNvPr id="235" name="Google Shape;69;p14"/>
+          <p:cNvPr id="217" name="Google Shape;69;p14"/>
           <p:cNvSpPr txBox="1"/>
           <p:nvPr/>
         </p:nvSpPr>
@@ -6601,9 +6136,13 @@
   <p:cSld>
     <p:bg>
       <p:bgPr>
-        <a:solidFill>
-          <a:srgbClr val="EDDACC"/>
-        </a:solidFill>
+        <a:blipFill rotWithShape="1">
+          <a:blip r:embed="rId2"/>
+          <a:srcRect l="0" t="0" r="0" b="0"/>
+          <a:stretch>
+            <a:fillRect/>
+          </a:stretch>
+        </a:blipFill>
       </p:bgPr>
     </p:bg>
     <p:spTree>
@@ -6620,38 +6159,9 @@
           <a:chExt cx="0" cy="0"/>
         </a:xfrm>
       </p:grpSpPr>
-      <p:pic>
-        <p:nvPicPr>
-          <p:cNvPr id="237" name="5f461d116006137.6059ac1f3a043.jpg" descr="5f461d116006137.6059ac1f3a043.jpg"/>
-          <p:cNvPicPr>
-            <a:picLocks noChangeAspect="1"/>
-          </p:cNvPicPr>
-          <p:nvPr/>
-        </p:nvPicPr>
-        <p:blipFill>
-          <a:blip r:embed="rId2">
-            <a:extLst/>
-          </a:blip>
-          <a:stretch>
-            <a:fillRect/>
-          </a:stretch>
-        </p:blipFill>
-        <p:spPr>
-          <a:xfrm>
-            <a:off x="-77249" y="-2562010"/>
-            <a:ext cx="24538498" cy="16359000"/>
-          </a:xfrm>
-          <a:prstGeom prst="rect">
-            <a:avLst/>
-          </a:prstGeom>
-          <a:ln w="12700">
-            <a:miter lim="400000"/>
-          </a:ln>
-        </p:spPr>
-      </p:pic>
       <p:sp>
         <p:nvSpPr>
-          <p:cNvPr id="238" name="Google Shape;55;p13"/>
+          <p:cNvPr id="219" name="Google Shape;55;p13"/>
           <p:cNvSpPr txBox="1"/>
           <p:nvPr>
             <p:ph type="title"/>
@@ -6691,7 +6201,7 @@
       </p:sp>
       <p:sp>
         <p:nvSpPr>
-          <p:cNvPr id="239" name="Google Shape;69;p14"/>
+          <p:cNvPr id="220" name="Google Shape;69;p14"/>
           <p:cNvSpPr txBox="1"/>
           <p:nvPr/>
         </p:nvSpPr>
@@ -6968,9 +6478,13 @@
   <p:cSld>
     <p:bg>
       <p:bgPr>
-        <a:solidFill>
-          <a:srgbClr val="EDDACC"/>
-        </a:solidFill>
+        <a:blipFill rotWithShape="1">
+          <a:blip r:embed="rId2"/>
+          <a:srcRect l="0" t="0" r="0" b="0"/>
+          <a:stretch>
+            <a:fillRect/>
+          </a:stretch>
+        </a:blipFill>
       </p:bgPr>
     </p:bg>
     <p:spTree>
@@ -6987,38 +6501,9 @@
           <a:chExt cx="0" cy="0"/>
         </a:xfrm>
       </p:grpSpPr>
-      <p:pic>
-        <p:nvPicPr>
-          <p:cNvPr id="241" name="5f461d116006137.6059ac1f3a043.jpg" descr="5f461d116006137.6059ac1f3a043.jpg"/>
-          <p:cNvPicPr>
-            <a:picLocks noChangeAspect="1"/>
-          </p:cNvPicPr>
-          <p:nvPr/>
-        </p:nvPicPr>
-        <p:blipFill>
-          <a:blip r:embed="rId2">
-            <a:extLst/>
-          </a:blip>
-          <a:stretch>
-            <a:fillRect/>
-          </a:stretch>
-        </p:blipFill>
-        <p:spPr>
-          <a:xfrm>
-            <a:off x="-77249" y="-2562010"/>
-            <a:ext cx="24538498" cy="16359000"/>
-          </a:xfrm>
-          <a:prstGeom prst="rect">
-            <a:avLst/>
-          </a:prstGeom>
-          <a:ln w="12700">
-            <a:miter lim="400000"/>
-          </a:ln>
-        </p:spPr>
-      </p:pic>
       <p:sp>
         <p:nvSpPr>
-          <p:cNvPr id="242" name="Google Shape;55;p13"/>
+          <p:cNvPr id="222" name="Google Shape;55;p13"/>
           <p:cNvSpPr txBox="1"/>
           <p:nvPr>
             <p:ph type="title"/>
@@ -7058,7 +6543,7 @@
       </p:sp>
       <p:sp>
         <p:nvSpPr>
-          <p:cNvPr id="243" name="Google Shape;69;p14"/>
+          <p:cNvPr id="223" name="Google Shape;69;p14"/>
           <p:cNvSpPr txBox="1"/>
           <p:nvPr/>
         </p:nvSpPr>
@@ -7214,9 +6699,13 @@
   <p:cSld>
     <p:bg>
       <p:bgPr>
-        <a:solidFill>
-          <a:srgbClr val="EDDACC"/>
-        </a:solidFill>
+        <a:blipFill rotWithShape="1">
+          <a:blip r:embed="rId2"/>
+          <a:srcRect l="0" t="0" r="0" b="0"/>
+          <a:stretch>
+            <a:fillRect/>
+          </a:stretch>
+        </a:blipFill>
       </p:bgPr>
     </p:bg>
     <p:spTree>
@@ -7233,38 +6722,9 @@
           <a:chExt cx="0" cy="0"/>
         </a:xfrm>
       </p:grpSpPr>
-      <p:pic>
-        <p:nvPicPr>
-          <p:cNvPr id="245" name="5f461d116006137.6059ac1f3a043.jpg" descr="5f461d116006137.6059ac1f3a043.jpg"/>
-          <p:cNvPicPr>
-            <a:picLocks noChangeAspect="1"/>
-          </p:cNvPicPr>
-          <p:nvPr/>
-        </p:nvPicPr>
-        <p:blipFill>
-          <a:blip r:embed="rId2">
-            <a:extLst/>
-          </a:blip>
-          <a:stretch>
-            <a:fillRect/>
-          </a:stretch>
-        </p:blipFill>
-        <p:spPr>
-          <a:xfrm>
-            <a:off x="-77249" y="-2562010"/>
-            <a:ext cx="24538498" cy="16359000"/>
-          </a:xfrm>
-          <a:prstGeom prst="rect">
-            <a:avLst/>
-          </a:prstGeom>
-          <a:ln w="12700">
-            <a:miter lim="400000"/>
-          </a:ln>
-        </p:spPr>
-      </p:pic>
       <p:sp>
         <p:nvSpPr>
-          <p:cNvPr id="246" name="Google Shape;55;p13"/>
+          <p:cNvPr id="225" name="Google Shape;55;p13"/>
           <p:cNvSpPr txBox="1"/>
           <p:nvPr>
             <p:ph type="title"/>
@@ -7304,7 +6764,7 @@
       </p:sp>
       <p:sp>
         <p:nvSpPr>
-          <p:cNvPr id="247" name="Google Shape;69;p14"/>
+          <p:cNvPr id="226" name="Google Shape;69;p14"/>
           <p:cNvSpPr txBox="1"/>
           <p:nvPr/>
         </p:nvSpPr>
@@ -7478,9 +6938,13 @@
   <p:cSld>
     <p:bg>
       <p:bgPr>
-        <a:solidFill>
-          <a:srgbClr val="EDDACC"/>
-        </a:solidFill>
+        <a:blipFill rotWithShape="1">
+          <a:blip r:embed="rId2"/>
+          <a:srcRect l="0" t="0" r="0" b="0"/>
+          <a:stretch>
+            <a:fillRect/>
+          </a:stretch>
+        </a:blipFill>
       </p:bgPr>
     </p:bg>
     <p:spTree>
@@ -7497,38 +6961,9 @@
           <a:chExt cx="0" cy="0"/>
         </a:xfrm>
       </p:grpSpPr>
-      <p:pic>
-        <p:nvPicPr>
-          <p:cNvPr id="249" name="5f461d116006137.6059ac1f3a043.jpg" descr="5f461d116006137.6059ac1f3a043.jpg"/>
-          <p:cNvPicPr>
-            <a:picLocks noChangeAspect="1"/>
-          </p:cNvPicPr>
-          <p:nvPr/>
-        </p:nvPicPr>
-        <p:blipFill>
-          <a:blip r:embed="rId2">
-            <a:extLst/>
-          </a:blip>
-          <a:stretch>
-            <a:fillRect/>
-          </a:stretch>
-        </p:blipFill>
-        <p:spPr>
-          <a:xfrm>
-            <a:off x="-77249" y="-2562010"/>
-            <a:ext cx="24538498" cy="16359000"/>
-          </a:xfrm>
-          <a:prstGeom prst="rect">
-            <a:avLst/>
-          </a:prstGeom>
-          <a:ln w="12700">
-            <a:miter lim="400000"/>
-          </a:ln>
-        </p:spPr>
-      </p:pic>
       <p:sp>
         <p:nvSpPr>
-          <p:cNvPr id="250" name="Google Shape;55;p13"/>
+          <p:cNvPr id="228" name="Google Shape;55;p13"/>
           <p:cNvSpPr txBox="1"/>
           <p:nvPr>
             <p:ph type="title"/>
@@ -7568,7 +7003,7 @@
       </p:sp>
       <p:sp>
         <p:nvSpPr>
-          <p:cNvPr id="251" name="Google Shape;69;p14"/>
+          <p:cNvPr id="229" name="Google Shape;69;p14"/>
           <p:cNvSpPr txBox="1"/>
           <p:nvPr/>
         </p:nvSpPr>
@@ -7784,9 +7219,13 @@
   <p:cSld>
     <p:bg>
       <p:bgPr>
-        <a:solidFill>
-          <a:srgbClr val="EDDACC"/>
-        </a:solidFill>
+        <a:blipFill rotWithShape="1">
+          <a:blip r:embed="rId2"/>
+          <a:srcRect l="0" t="0" r="0" b="0"/>
+          <a:stretch>
+            <a:fillRect/>
+          </a:stretch>
+        </a:blipFill>
       </p:bgPr>
     </p:bg>
     <p:spTree>
@@ -7803,38 +7242,9 @@
           <a:chExt cx="0" cy="0"/>
         </a:xfrm>
       </p:grpSpPr>
-      <p:pic>
-        <p:nvPicPr>
-          <p:cNvPr id="253" name="5f461d116006137.6059ac1f3a043.jpg" descr="5f461d116006137.6059ac1f3a043.jpg"/>
-          <p:cNvPicPr>
-            <a:picLocks noChangeAspect="1"/>
-          </p:cNvPicPr>
-          <p:nvPr/>
-        </p:nvPicPr>
-        <p:blipFill>
-          <a:blip r:embed="rId2">
-            <a:extLst/>
-          </a:blip>
-          <a:stretch>
-            <a:fillRect/>
-          </a:stretch>
-        </p:blipFill>
-        <p:spPr>
-          <a:xfrm>
-            <a:off x="-77249" y="-2562010"/>
-            <a:ext cx="24538498" cy="16359000"/>
-          </a:xfrm>
-          <a:prstGeom prst="rect">
-            <a:avLst/>
-          </a:prstGeom>
-          <a:ln w="12700">
-            <a:miter lim="400000"/>
-          </a:ln>
-        </p:spPr>
-      </p:pic>
       <p:sp>
         <p:nvSpPr>
-          <p:cNvPr id="254" name="Google Shape;55;p13"/>
+          <p:cNvPr id="231" name="Google Shape;55;p13"/>
           <p:cNvSpPr txBox="1"/>
           <p:nvPr>
             <p:ph type="title"/>
@@ -7874,7 +7284,7 @@
       </p:sp>
       <p:sp>
         <p:nvSpPr>
-          <p:cNvPr id="255" name="Google Shape;69;p14"/>
+          <p:cNvPr id="232" name="Google Shape;69;p14"/>
           <p:cNvSpPr txBox="1"/>
           <p:nvPr/>
         </p:nvSpPr>
@@ -7967,7 +7377,7 @@
       </p:sp>
       <p:pic>
         <p:nvPicPr>
-          <p:cNvPr id="256" name="Captura de pantalla 2021-07-17 a las 14.21.39.png" descr="Captura de pantalla 2021-07-17 a las 14.21.39.png"/>
+          <p:cNvPr id="233" name="Captura de pantalla 2021-07-17 a las 14.21.39.png" descr="Captura de pantalla 2021-07-17 a las 14.21.39.png"/>
           <p:cNvPicPr>
             <a:picLocks noChangeAspect="1"/>
           </p:cNvPicPr>
@@ -7983,8 +7393,8 @@
         </p:blipFill>
         <p:spPr>
           <a:xfrm>
-            <a:off x="7590209" y="7071880"/>
-            <a:ext cx="9203582" cy="6522927"/>
+            <a:off x="7590209" y="7071879"/>
+            <a:ext cx="9203581" cy="6522927"/>
           </a:xfrm>
           <a:prstGeom prst="rect">
             <a:avLst/>
@@ -8008,9 +7418,13 @@
   <p:cSld>
     <p:bg>
       <p:bgPr>
-        <a:solidFill>
-          <a:srgbClr val="EDDACC"/>
-        </a:solidFill>
+        <a:blipFill rotWithShape="1">
+          <a:blip r:embed="rId2"/>
+          <a:srcRect l="0" t="0" r="0" b="0"/>
+          <a:stretch>
+            <a:fillRect/>
+          </a:stretch>
+        </a:blipFill>
       </p:bgPr>
     </p:bg>
     <p:spTree>
@@ -8027,38 +7441,9 @@
           <a:chExt cx="0" cy="0"/>
         </a:xfrm>
       </p:grpSpPr>
-      <p:pic>
-        <p:nvPicPr>
-          <p:cNvPr id="185" name="5f461d116006137.6059ac1f3a043.jpg" descr="5f461d116006137.6059ac1f3a043.jpg"/>
-          <p:cNvPicPr>
-            <a:picLocks noChangeAspect="1"/>
-          </p:cNvPicPr>
-          <p:nvPr/>
-        </p:nvPicPr>
-        <p:blipFill>
-          <a:blip r:embed="rId2">
-            <a:extLst/>
-          </a:blip>
-          <a:stretch>
-            <a:fillRect/>
-          </a:stretch>
-        </p:blipFill>
-        <p:spPr>
-          <a:xfrm>
-            <a:off x="-77249" y="-2562010"/>
-            <a:ext cx="24538498" cy="16359000"/>
-          </a:xfrm>
-          <a:prstGeom prst="rect">
-            <a:avLst/>
-          </a:prstGeom>
-          <a:ln w="12700">
-            <a:miter lim="400000"/>
-          </a:ln>
-        </p:spPr>
-      </p:pic>
       <p:sp>
         <p:nvSpPr>
-          <p:cNvPr id="186" name="Google Shape;55;p13"/>
+          <p:cNvPr id="180" name="Google Shape;55;p13"/>
           <p:cNvSpPr txBox="1"/>
           <p:nvPr>
             <p:ph type="title"/>
@@ -8098,7 +7483,7 @@
       </p:sp>
       <p:sp>
         <p:nvSpPr>
-          <p:cNvPr id="187" name="CRUD (Create, Read, Update, Delete)…"/>
+          <p:cNvPr id="181" name="CRUD (Create, Read, Update, Delete)…"/>
           <p:cNvSpPr txBox="1"/>
           <p:nvPr/>
         </p:nvSpPr>
@@ -8245,9 +7630,13 @@
   <p:cSld>
     <p:bg>
       <p:bgPr>
-        <a:solidFill>
-          <a:srgbClr val="EDDACC"/>
-        </a:solidFill>
+        <a:blipFill rotWithShape="1">
+          <a:blip r:embed="rId2"/>
+          <a:srcRect l="0" t="0" r="0" b="0"/>
+          <a:stretch>
+            <a:fillRect/>
+          </a:stretch>
+        </a:blipFill>
       </p:bgPr>
     </p:bg>
     <p:spTree>
@@ -8264,38 +7653,9 @@
           <a:chExt cx="0" cy="0"/>
         </a:xfrm>
       </p:grpSpPr>
-      <p:pic>
-        <p:nvPicPr>
-          <p:cNvPr id="258" name="5f461d116006137.6059ac1f3a043.jpg" descr="5f461d116006137.6059ac1f3a043.jpg"/>
-          <p:cNvPicPr>
-            <a:picLocks noChangeAspect="1"/>
-          </p:cNvPicPr>
-          <p:nvPr/>
-        </p:nvPicPr>
-        <p:blipFill>
-          <a:blip r:embed="rId2">
-            <a:extLst/>
-          </a:blip>
-          <a:stretch>
-            <a:fillRect/>
-          </a:stretch>
-        </p:blipFill>
-        <p:spPr>
-          <a:xfrm>
-            <a:off x="-77249" y="-2562010"/>
-            <a:ext cx="24538498" cy="16359000"/>
-          </a:xfrm>
-          <a:prstGeom prst="rect">
-            <a:avLst/>
-          </a:prstGeom>
-          <a:ln w="12700">
-            <a:miter lim="400000"/>
-          </a:ln>
-        </p:spPr>
-      </p:pic>
       <p:sp>
         <p:nvSpPr>
-          <p:cNvPr id="259" name="Google Shape;55;p13"/>
+          <p:cNvPr id="235" name="Google Shape;55;p13"/>
           <p:cNvSpPr txBox="1"/>
           <p:nvPr>
             <p:ph type="title"/>
@@ -8335,7 +7695,7 @@
       </p:sp>
       <p:sp>
         <p:nvSpPr>
-          <p:cNvPr id="260" name="Google Shape;69;p14"/>
+          <p:cNvPr id="236" name="Google Shape;69;p14"/>
           <p:cNvSpPr txBox="1"/>
           <p:nvPr/>
         </p:nvSpPr>
@@ -8407,7 +7767,7 @@
       </p:sp>
       <p:pic>
         <p:nvPicPr>
-          <p:cNvPr id="261" name="Captura de pantalla 2021-07-17 a las 14.23.40.png" descr="Captura de pantalla 2021-07-17 a las 14.23.40.png"/>
+          <p:cNvPr id="237" name="Captura de pantalla 2021-07-17 a las 14.23.40.png" descr="Captura de pantalla 2021-07-17 a las 14.23.40.png"/>
           <p:cNvPicPr>
             <a:picLocks noChangeAspect="1"/>
           </p:cNvPicPr>
@@ -8423,7 +7783,7 @@
         </p:blipFill>
         <p:spPr>
           <a:xfrm>
-            <a:off x="6265514" y="6604239"/>
+            <a:off x="6265514" y="6604240"/>
             <a:ext cx="11852972" cy="5804918"/>
           </a:xfrm>
           <a:prstGeom prst="rect">
@@ -8436,14 +7796,14 @@
       </p:pic>
       <p:sp>
         <p:nvSpPr>
-          <p:cNvPr id="262" name="Google Shape;69;p14"/>
+          <p:cNvPr id="238" name="Google Shape;69;p14"/>
           <p:cNvSpPr txBox="1"/>
           <p:nvPr/>
         </p:nvSpPr>
         <p:spPr>
           <a:xfrm>
             <a:off x="5697295" y="12668875"/>
-            <a:ext cx="12989410" cy="1006043"/>
+            <a:ext cx="12989409" cy="1006044"/>
           </a:xfrm>
           <a:prstGeom prst="rect">
             <a:avLst/>
@@ -8499,9 +7859,13 @@
   <p:cSld>
     <p:bg>
       <p:bgPr>
-        <a:solidFill>
-          <a:srgbClr val="EDDACC"/>
-        </a:solidFill>
+        <a:blipFill rotWithShape="1">
+          <a:blip r:embed="rId2"/>
+          <a:srcRect l="0" t="0" r="0" b="0"/>
+          <a:stretch>
+            <a:fillRect/>
+          </a:stretch>
+        </a:blipFill>
       </p:bgPr>
     </p:bg>
     <p:spTree>
@@ -8518,38 +7882,9 @@
           <a:chExt cx="0" cy="0"/>
         </a:xfrm>
       </p:grpSpPr>
-      <p:pic>
-        <p:nvPicPr>
-          <p:cNvPr id="189" name="5f461d116006137.6059ac1f3a043.jpg" descr="5f461d116006137.6059ac1f3a043.jpg"/>
-          <p:cNvPicPr>
-            <a:picLocks noChangeAspect="1"/>
-          </p:cNvPicPr>
-          <p:nvPr/>
-        </p:nvPicPr>
-        <p:blipFill>
-          <a:blip r:embed="rId2">
-            <a:extLst/>
-          </a:blip>
-          <a:stretch>
-            <a:fillRect/>
-          </a:stretch>
-        </p:blipFill>
-        <p:spPr>
-          <a:xfrm>
-            <a:off x="-77249" y="-2562010"/>
-            <a:ext cx="24538498" cy="16359000"/>
-          </a:xfrm>
-          <a:prstGeom prst="rect">
-            <a:avLst/>
-          </a:prstGeom>
-          <a:ln w="12700">
-            <a:miter lim="400000"/>
-          </a:ln>
-        </p:spPr>
-      </p:pic>
       <p:sp>
         <p:nvSpPr>
-          <p:cNvPr id="190" name="Google Shape;55;p13"/>
+          <p:cNvPr id="183" name="Google Shape;55;p13"/>
           <p:cNvSpPr txBox="1"/>
           <p:nvPr>
             <p:ph type="title"/>
@@ -8589,7 +7924,7 @@
       </p:sp>
       <p:sp>
         <p:nvSpPr>
-          <p:cNvPr id="191" name="Google Shape;69;p14"/>
+          <p:cNvPr id="184" name="Google Shape;69;p14"/>
           <p:cNvSpPr txBox="1"/>
           <p:nvPr/>
         </p:nvSpPr>
@@ -8850,9 +8185,13 @@
   <p:cSld>
     <p:bg>
       <p:bgPr>
-        <a:solidFill>
-          <a:srgbClr val="EDDACC"/>
-        </a:solidFill>
+        <a:blipFill rotWithShape="1">
+          <a:blip r:embed="rId2"/>
+          <a:srcRect l="0" t="0" r="0" b="0"/>
+          <a:stretch>
+            <a:fillRect/>
+          </a:stretch>
+        </a:blipFill>
       </p:bgPr>
     </p:bg>
     <p:spTree>
@@ -8869,38 +8208,9 @@
           <a:chExt cx="0" cy="0"/>
         </a:xfrm>
       </p:grpSpPr>
-      <p:pic>
-        <p:nvPicPr>
-          <p:cNvPr id="193" name="5f461d116006137.6059ac1f3a043.jpg" descr="5f461d116006137.6059ac1f3a043.jpg"/>
-          <p:cNvPicPr>
-            <a:picLocks noChangeAspect="1"/>
-          </p:cNvPicPr>
-          <p:nvPr/>
-        </p:nvPicPr>
-        <p:blipFill>
-          <a:blip r:embed="rId2">
-            <a:extLst/>
-          </a:blip>
-          <a:stretch>
-            <a:fillRect/>
-          </a:stretch>
-        </p:blipFill>
-        <p:spPr>
-          <a:xfrm>
-            <a:off x="-77249" y="-2562010"/>
-            <a:ext cx="24538498" cy="16359000"/>
-          </a:xfrm>
-          <a:prstGeom prst="rect">
-            <a:avLst/>
-          </a:prstGeom>
-          <a:ln w="12700">
-            <a:miter lim="400000"/>
-          </a:ln>
-        </p:spPr>
-      </p:pic>
       <p:sp>
         <p:nvSpPr>
-          <p:cNvPr id="194" name="Google Shape;55;p13"/>
+          <p:cNvPr id="186" name="Google Shape;55;p13"/>
           <p:cNvSpPr txBox="1"/>
           <p:nvPr>
             <p:ph type="title"/>
@@ -8940,7 +8250,7 @@
       </p:sp>
       <p:sp>
         <p:nvSpPr>
-          <p:cNvPr id="195" name="Google Shape;69;p14"/>
+          <p:cNvPr id="187" name="Google Shape;69;p14"/>
           <p:cNvSpPr txBox="1"/>
           <p:nvPr/>
         </p:nvSpPr>
@@ -9385,9 +8695,13 @@
   <p:cSld>
     <p:bg>
       <p:bgPr>
-        <a:solidFill>
-          <a:srgbClr val="EDDACC"/>
-        </a:solidFill>
+        <a:blipFill rotWithShape="1">
+          <a:blip r:embed="rId2"/>
+          <a:srcRect l="0" t="0" r="0" b="0"/>
+          <a:stretch>
+            <a:fillRect/>
+          </a:stretch>
+        </a:blipFill>
       </p:bgPr>
     </p:bg>
     <p:spTree>
@@ -9404,38 +8718,9 @@
           <a:chExt cx="0" cy="0"/>
         </a:xfrm>
       </p:grpSpPr>
-      <p:pic>
-        <p:nvPicPr>
-          <p:cNvPr id="197" name="5f461d116006137.6059ac1f3a043.jpg" descr="5f461d116006137.6059ac1f3a043.jpg"/>
-          <p:cNvPicPr>
-            <a:picLocks noChangeAspect="1"/>
-          </p:cNvPicPr>
-          <p:nvPr/>
-        </p:nvPicPr>
-        <p:blipFill>
-          <a:blip r:embed="rId2">
-            <a:extLst/>
-          </a:blip>
-          <a:stretch>
-            <a:fillRect/>
-          </a:stretch>
-        </p:blipFill>
-        <p:spPr>
-          <a:xfrm>
-            <a:off x="-77249" y="-2562010"/>
-            <a:ext cx="24538498" cy="16359000"/>
-          </a:xfrm>
-          <a:prstGeom prst="rect">
-            <a:avLst/>
-          </a:prstGeom>
-          <a:ln w="12700">
-            <a:miter lim="400000"/>
-          </a:ln>
-        </p:spPr>
-      </p:pic>
       <p:sp>
         <p:nvSpPr>
-          <p:cNvPr id="198" name="Google Shape;55;p13"/>
+          <p:cNvPr id="189" name="Google Shape;55;p13"/>
           <p:cNvSpPr txBox="1"/>
           <p:nvPr>
             <p:ph type="title"/>
@@ -9475,7 +8760,7 @@
       </p:sp>
       <p:sp>
         <p:nvSpPr>
-          <p:cNvPr id="199" name="Google Shape;69;p14"/>
+          <p:cNvPr id="190" name="Google Shape;69;p14"/>
           <p:cNvSpPr txBox="1"/>
           <p:nvPr/>
         </p:nvSpPr>
@@ -9823,9 +9108,13 @@
   <p:cSld>
     <p:bg>
       <p:bgPr>
-        <a:solidFill>
-          <a:srgbClr val="EDDACC"/>
-        </a:solidFill>
+        <a:blipFill rotWithShape="1">
+          <a:blip r:embed="rId2"/>
+          <a:srcRect l="0" t="0" r="0" b="0"/>
+          <a:stretch>
+            <a:fillRect/>
+          </a:stretch>
+        </a:blipFill>
       </p:bgPr>
     </p:bg>
     <p:spTree>
@@ -9842,38 +9131,9 @@
           <a:chExt cx="0" cy="0"/>
         </a:xfrm>
       </p:grpSpPr>
-      <p:pic>
-        <p:nvPicPr>
-          <p:cNvPr id="201" name="5f461d116006137.6059ac1f3a043.jpg" descr="5f461d116006137.6059ac1f3a043.jpg"/>
-          <p:cNvPicPr>
-            <a:picLocks noChangeAspect="1"/>
-          </p:cNvPicPr>
-          <p:nvPr/>
-        </p:nvPicPr>
-        <p:blipFill>
-          <a:blip r:embed="rId2">
-            <a:extLst/>
-          </a:blip>
-          <a:stretch>
-            <a:fillRect/>
-          </a:stretch>
-        </p:blipFill>
-        <p:spPr>
-          <a:xfrm>
-            <a:off x="-77249" y="-2562010"/>
-            <a:ext cx="24538498" cy="16359000"/>
-          </a:xfrm>
-          <a:prstGeom prst="rect">
-            <a:avLst/>
-          </a:prstGeom>
-          <a:ln w="12700">
-            <a:miter lim="400000"/>
-          </a:ln>
-        </p:spPr>
-      </p:pic>
       <p:sp>
         <p:nvSpPr>
-          <p:cNvPr id="202" name="Google Shape;55;p13"/>
+          <p:cNvPr id="192" name="Google Shape;55;p13"/>
           <p:cNvSpPr txBox="1"/>
           <p:nvPr>
             <p:ph type="title"/>
@@ -9913,7 +9173,7 @@
       </p:sp>
       <p:sp>
         <p:nvSpPr>
-          <p:cNvPr id="203" name="Google Shape;69;p14"/>
+          <p:cNvPr id="193" name="Google Shape;69;p14"/>
           <p:cNvSpPr txBox="1"/>
           <p:nvPr/>
         </p:nvSpPr>
@@ -10110,9 +9370,13 @@
   <p:cSld>
     <p:bg>
       <p:bgPr>
-        <a:solidFill>
-          <a:srgbClr val="EDDACC"/>
-        </a:solidFill>
+        <a:blipFill rotWithShape="1">
+          <a:blip r:embed="rId2"/>
+          <a:srcRect l="0" t="0" r="0" b="0"/>
+          <a:stretch>
+            <a:fillRect/>
+          </a:stretch>
+        </a:blipFill>
       </p:bgPr>
     </p:bg>
     <p:spTree>
@@ -10129,38 +9393,9 @@
           <a:chExt cx="0" cy="0"/>
         </a:xfrm>
       </p:grpSpPr>
-      <p:pic>
-        <p:nvPicPr>
-          <p:cNvPr id="205" name="5f461d116006137.6059ac1f3a043.jpg" descr="5f461d116006137.6059ac1f3a043.jpg"/>
-          <p:cNvPicPr>
-            <a:picLocks noChangeAspect="1"/>
-          </p:cNvPicPr>
-          <p:nvPr/>
-        </p:nvPicPr>
-        <p:blipFill>
-          <a:blip r:embed="rId2">
-            <a:extLst/>
-          </a:blip>
-          <a:stretch>
-            <a:fillRect/>
-          </a:stretch>
-        </p:blipFill>
-        <p:spPr>
-          <a:xfrm>
-            <a:off x="-77249" y="-2562010"/>
-            <a:ext cx="24538498" cy="16359000"/>
-          </a:xfrm>
-          <a:prstGeom prst="rect">
-            <a:avLst/>
-          </a:prstGeom>
-          <a:ln w="12700">
-            <a:miter lim="400000"/>
-          </a:ln>
-        </p:spPr>
-      </p:pic>
       <p:sp>
         <p:nvSpPr>
-          <p:cNvPr id="206" name="Google Shape;55;p13"/>
+          <p:cNvPr id="195" name="Google Shape;55;p13"/>
           <p:cNvSpPr txBox="1"/>
           <p:nvPr>
             <p:ph type="title"/>
@@ -10200,7 +9435,7 @@
       </p:sp>
       <p:sp>
         <p:nvSpPr>
-          <p:cNvPr id="207" name="Google Shape;69;p14"/>
+          <p:cNvPr id="196" name="Google Shape;69;p14"/>
           <p:cNvSpPr txBox="1"/>
           <p:nvPr/>
         </p:nvSpPr>
@@ -10395,9 +9630,13 @@
   <p:cSld>
     <p:bg>
       <p:bgPr>
-        <a:solidFill>
-          <a:srgbClr val="EDDACC"/>
-        </a:solidFill>
+        <a:blipFill rotWithShape="1">
+          <a:blip r:embed="rId2"/>
+          <a:srcRect l="0" t="0" r="0" b="0"/>
+          <a:stretch>
+            <a:fillRect/>
+          </a:stretch>
+        </a:blipFill>
       </p:bgPr>
     </p:bg>
     <p:spTree>
@@ -10414,38 +9653,9 @@
           <a:chExt cx="0" cy="0"/>
         </a:xfrm>
       </p:grpSpPr>
-      <p:pic>
-        <p:nvPicPr>
-          <p:cNvPr id="209" name="5f461d116006137.6059ac1f3a043.jpg" descr="5f461d116006137.6059ac1f3a043.jpg"/>
-          <p:cNvPicPr>
-            <a:picLocks noChangeAspect="1"/>
-          </p:cNvPicPr>
-          <p:nvPr/>
-        </p:nvPicPr>
-        <p:blipFill>
-          <a:blip r:embed="rId2">
-            <a:extLst/>
-          </a:blip>
-          <a:stretch>
-            <a:fillRect/>
-          </a:stretch>
-        </p:blipFill>
-        <p:spPr>
-          <a:xfrm>
-            <a:off x="-77249" y="-2562010"/>
-            <a:ext cx="24538498" cy="16359000"/>
-          </a:xfrm>
-          <a:prstGeom prst="rect">
-            <a:avLst/>
-          </a:prstGeom>
-          <a:ln w="12700">
-            <a:miter lim="400000"/>
-          </a:ln>
-        </p:spPr>
-      </p:pic>
       <p:sp>
         <p:nvSpPr>
-          <p:cNvPr id="210" name="Google Shape;55;p13"/>
+          <p:cNvPr id="198" name="Google Shape;55;p13"/>
           <p:cNvSpPr txBox="1"/>
           <p:nvPr>
             <p:ph type="title"/>
@@ -10485,7 +9695,7 @@
       </p:sp>
       <p:sp>
         <p:nvSpPr>
-          <p:cNvPr id="211" name="Google Shape;69;p14"/>
+          <p:cNvPr id="199" name="Google Shape;69;p14"/>
           <p:cNvSpPr txBox="1"/>
           <p:nvPr/>
         </p:nvSpPr>
@@ -10697,9 +9907,13 @@
   <p:cSld>
     <p:bg>
       <p:bgPr>
-        <a:solidFill>
-          <a:srgbClr val="EDDACC"/>
-        </a:solidFill>
+        <a:blipFill rotWithShape="1">
+          <a:blip r:embed="rId2"/>
+          <a:srcRect l="0" t="0" r="0" b="0"/>
+          <a:stretch>
+            <a:fillRect/>
+          </a:stretch>
+        </a:blipFill>
       </p:bgPr>
     </p:bg>
     <p:spTree>
@@ -10716,38 +9930,9 @@
           <a:chExt cx="0" cy="0"/>
         </a:xfrm>
       </p:grpSpPr>
-      <p:pic>
-        <p:nvPicPr>
-          <p:cNvPr id="213" name="5f461d116006137.6059ac1f3a043.jpg" descr="5f461d116006137.6059ac1f3a043.jpg"/>
-          <p:cNvPicPr>
-            <a:picLocks noChangeAspect="1"/>
-          </p:cNvPicPr>
-          <p:nvPr/>
-        </p:nvPicPr>
-        <p:blipFill>
-          <a:blip r:embed="rId2">
-            <a:extLst/>
-          </a:blip>
-          <a:stretch>
-            <a:fillRect/>
-          </a:stretch>
-        </p:blipFill>
-        <p:spPr>
-          <a:xfrm>
-            <a:off x="-77249" y="-2562010"/>
-            <a:ext cx="24538498" cy="16359000"/>
-          </a:xfrm>
-          <a:prstGeom prst="rect">
-            <a:avLst/>
-          </a:prstGeom>
-          <a:ln w="12700">
-            <a:miter lim="400000"/>
-          </a:ln>
-        </p:spPr>
-      </p:pic>
       <p:sp>
         <p:nvSpPr>
-          <p:cNvPr id="214" name="Google Shape;55;p13"/>
+          <p:cNvPr id="201" name="Google Shape;55;p13"/>
           <p:cNvSpPr txBox="1"/>
           <p:nvPr>
             <p:ph type="title"/>
@@ -10787,7 +9972,7 @@
       </p:sp>
       <p:sp>
         <p:nvSpPr>
-          <p:cNvPr id="215" name="Google Shape;69;p14"/>
+          <p:cNvPr id="202" name="Google Shape;69;p14"/>
           <p:cNvSpPr txBox="1"/>
           <p:nvPr/>
         </p:nvSpPr>
